--- a/04_big_data/99_Project_Steam/01_steam_project.pptx
+++ b/04_big_data/99_Project_Steam/01_steam_project.pptx
@@ -125,7 +125,7 @@
 <file path=ppt/revisionInfo.xml><?xml version="1.0" encoding="utf-8"?>
 <p1510:revInfo xmlns:a="http://schemas.openxmlformats.org/drawingml/2006/main" xmlns:r="http://schemas.openxmlformats.org/officeDocument/2006/relationships" xmlns:p1510="http://schemas.microsoft.com/office/powerpoint/2015/10/main">
   <p1510:revLst>
-    <p1510:client id="{FB309223-E9E0-44D1-8A29-32821B1882E7}" v="15" dt="2024-08-24T09:44:16.010"/>
+    <p1510:client id="{FB309223-E9E0-44D1-8A29-32821B1882E7}" v="18" dt="2024-08-26T12:56:08.468"/>
   </p1510:revLst>
 </p1510:revInfo>
 </file>
@@ -135,12 +135,12 @@
   <pc:docChgLst>
     <pc:chgData name="Philippe Baucour" userId="5102170ae7533958" providerId="LiveId" clId="{FB309223-E9E0-44D1-8A29-32821B1882E7}"/>
     <pc:docChg chg="undo custSel addSld delSld modSld sldOrd">
-      <pc:chgData name="Philippe Baucour" userId="5102170ae7533958" providerId="LiveId" clId="{FB309223-E9E0-44D1-8A29-32821B1882E7}" dt="2024-08-24T09:45:06.939" v="1048" actId="27636"/>
+      <pc:chgData name="Philippe Baucour" userId="5102170ae7533958" providerId="LiveId" clId="{FB309223-E9E0-44D1-8A29-32821B1882E7}" dt="2024-08-26T12:56:14.838" v="1073" actId="20577"/>
       <pc:docMkLst>
         <pc:docMk/>
       </pc:docMkLst>
-      <pc:sldChg chg="modSp mod">
-        <pc:chgData name="Philippe Baucour" userId="5102170ae7533958" providerId="LiveId" clId="{FB309223-E9E0-44D1-8A29-32821B1882E7}" dt="2024-08-24T09:45:06.939" v="1048" actId="27636"/>
+      <pc:sldChg chg="modSp mod modNotesTx">
+        <pc:chgData name="Philippe Baucour" userId="5102170ae7533958" providerId="LiveId" clId="{FB309223-E9E0-44D1-8A29-32821B1882E7}" dt="2024-08-26T12:56:14.838" v="1073" actId="20577"/>
         <pc:sldMkLst>
           <pc:docMk/>
           <pc:sldMk cId="1392602265" sldId="256"/>
@@ -154,7 +154,7 @@
           </ac:spMkLst>
         </pc:spChg>
         <pc:spChg chg="mod">
-          <ac:chgData name="Philippe Baucour" userId="5102170ae7533958" providerId="LiveId" clId="{FB309223-E9E0-44D1-8A29-32821B1882E7}" dt="2024-08-24T09:45:06.939" v="1048" actId="27636"/>
+          <ac:chgData name="Philippe Baucour" userId="5102170ae7533958" providerId="LiveId" clId="{FB309223-E9E0-44D1-8A29-32821B1882E7}" dt="2024-08-26T12:56:14.838" v="1073" actId="20577"/>
           <ac:spMkLst>
             <pc:docMk/>
             <pc:sldMk cId="1392602265" sldId="256"/>
@@ -1564,7 +1564,7 @@
           <a:p>
             <a:fld id="{FD1752CD-A7D2-4825-BC26-9DAEFBD0A5FF}" type="datetimeFigureOut">
               <a:rPr lang="fr-FR" smtClean="0"/>
-              <a:t>24/08/2024</a:t>
+              <a:t>26/08/2024</a:t>
             </a:fld>
             <a:endParaRPr lang="fr-FR"/>
           </a:p>
@@ -1831,6 +1831,360 @@
 </p:notesMaster>
 </file>
 
+<file path=ppt/notesSlides/notesSlide1.xml><?xml version="1.0" encoding="utf-8"?>
+<p:notes xmlns:a="http://schemas.openxmlformats.org/drawingml/2006/main" xmlns:r="http://schemas.openxmlformats.org/officeDocument/2006/relationships" xmlns:p="http://schemas.openxmlformats.org/presentationml/2006/main">
+  <p:cSld>
+    <p:spTree>
+      <p:nvGrpSpPr>
+        <p:cNvPr id="1" name=""/>
+        <p:cNvGrpSpPr/>
+        <p:nvPr/>
+      </p:nvGrpSpPr>
+      <p:grpSpPr>
+        <a:xfrm>
+          <a:off x="0" y="0"/>
+          <a:ext cx="0" cy="0"/>
+          <a:chOff x="0" y="0"/>
+          <a:chExt cx="0" cy="0"/>
+        </a:xfrm>
+      </p:grpSpPr>
+      <p:sp>
+        <p:nvSpPr>
+          <p:cNvPr id="2" name="Espace réservé de l'image des diapositives 1"/>
+          <p:cNvSpPr>
+            <a:spLocks noGrp="1" noRot="1" noChangeAspect="1"/>
+          </p:cNvSpPr>
+          <p:nvPr>
+            <p:ph type="sldImg"/>
+          </p:nvPr>
+        </p:nvSpPr>
+        <p:spPr/>
+      </p:sp>
+      <p:sp>
+        <p:nvSpPr>
+          <p:cNvPr id="3" name="Espace réservé des notes 2"/>
+          <p:cNvSpPr>
+            <a:spLocks noGrp="1"/>
+          </p:cNvSpPr>
+          <p:nvPr>
+            <p:ph type="body" idx="1"/>
+          </p:nvPr>
+        </p:nvSpPr>
+        <p:spPr/>
+        <p:txBody>
+          <a:bodyPr/>
+          <a:lstStyle/>
+          <a:p>
+            <a:r>
+              <a:rPr lang="fr-FR" b="1" dirty="0" err="1"/>
+              <a:t>Criteria</a:t>
+            </a:r>
+            <a:r>
+              <a:rPr lang="fr-FR" b="1" dirty="0"/>
+              <a:t> : </a:t>
+            </a:r>
+          </a:p>
+          <a:p>
+            <a:endParaRPr lang="fr-FR" b="1" dirty="0"/>
+          </a:p>
+          <a:p>
+            <a:pPr algn="l">
+              <a:buFont typeface="Arial" panose="020B0604020202020204" pitchFamily="34" charset="0"/>
+              <a:buNone/>
+            </a:pPr>
+            <a:r>
+              <a:rPr lang="en-US" b="0" i="0" dirty="0">
+                <a:solidFill>
+                  <a:srgbClr val="1F2123"/>
+                </a:solidFill>
+                <a:effectLst/>
+                <a:highlight>
+                  <a:srgbClr val="FBFDFF"/>
+                </a:highlight>
+                <a:latin typeface="Inter"/>
+              </a:rPr>
+              <a:t>The chosen dataset is able to answer the set problem:</a:t>
+            </a:r>
+          </a:p>
+          <a:p>
+            <a:pPr algn="l">
+              <a:buFont typeface="Arial" panose="020B0604020202020204" pitchFamily="34" charset="0"/>
+              <a:buNone/>
+            </a:pPr>
+            <a:endParaRPr lang="en-US" b="0" i="0" dirty="0">
+              <a:solidFill>
+                <a:srgbClr val="1F2123"/>
+              </a:solidFill>
+              <a:effectLst/>
+              <a:highlight>
+                <a:srgbClr val="FBFDFF"/>
+              </a:highlight>
+              <a:latin typeface="Inter"/>
+            </a:endParaRPr>
+          </a:p>
+          <a:p>
+            <a:pPr marL="171450" indent="-171450" algn="l">
+              <a:buFont typeface="Arial" panose="020B0604020202020204" pitchFamily="34" charset="0"/>
+              <a:buChar char="•"/>
+            </a:pPr>
+            <a:r>
+              <a:rPr lang="en-US" b="0" i="0" dirty="0">
+                <a:solidFill>
+                  <a:srgbClr val="1F2123"/>
+                </a:solidFill>
+                <a:effectLst/>
+                <a:highlight>
+                  <a:srgbClr val="FBFDFF"/>
+                </a:highlight>
+                <a:latin typeface="Inter"/>
+              </a:rPr>
+              <a:t>Relevance of the elements and the data cleaning methodology (management of missing or inconsistent values, etc.)</a:t>
+            </a:r>
+          </a:p>
+          <a:p>
+            <a:pPr marL="171450" indent="-171450" algn="l">
+              <a:buFont typeface="Arial" panose="020B0604020202020204" pitchFamily="34" charset="0"/>
+              <a:buChar char="•"/>
+            </a:pPr>
+            <a:r>
+              <a:rPr lang="en-US" b="0" i="0" dirty="0">
+                <a:solidFill>
+                  <a:srgbClr val="1F2123"/>
+                </a:solidFill>
+                <a:effectLst/>
+                <a:highlight>
+                  <a:srgbClr val="FBFDFF"/>
+                </a:highlight>
+                <a:latin typeface="Inter"/>
+              </a:rPr>
+              <a:t>Clarity of the database</a:t>
+            </a:r>
+          </a:p>
+          <a:p>
+            <a:pPr marL="171450" indent="-171450" algn="l">
+              <a:buFont typeface="Arial" panose="020B0604020202020204" pitchFamily="34" charset="0"/>
+              <a:buChar char="•"/>
+            </a:pPr>
+            <a:r>
+              <a:rPr lang="en-US" b="0" i="0" dirty="0">
+                <a:solidFill>
+                  <a:srgbClr val="1F2123"/>
+                </a:solidFill>
+                <a:effectLst/>
+                <a:highlight>
+                  <a:srgbClr val="FBFDFF"/>
+                </a:highlight>
+                <a:latin typeface="Inter"/>
+              </a:rPr>
+              <a:t>Availability of data for analysis</a:t>
+            </a:r>
+          </a:p>
+          <a:p>
+            <a:pPr marL="0" indent="0" algn="l">
+              <a:buFont typeface="Arial" panose="020B0604020202020204" pitchFamily="34" charset="0"/>
+              <a:buNone/>
+            </a:pPr>
+            <a:endParaRPr lang="en-US" b="0" i="0" dirty="0">
+              <a:solidFill>
+                <a:srgbClr val="1F2123"/>
+              </a:solidFill>
+              <a:effectLst/>
+              <a:highlight>
+                <a:srgbClr val="FBFDFF"/>
+              </a:highlight>
+              <a:latin typeface="Inter"/>
+            </a:endParaRPr>
+          </a:p>
+          <a:p>
+            <a:pPr marL="0" indent="0" algn="l">
+              <a:buFont typeface="Arial" panose="020B0604020202020204" pitchFamily="34" charset="0"/>
+              <a:buNone/>
+            </a:pPr>
+            <a:r>
+              <a:rPr lang="en-US" b="0" i="0" dirty="0">
+                <a:solidFill>
+                  <a:srgbClr val="1F2123"/>
+                </a:solidFill>
+                <a:effectLst/>
+                <a:highlight>
+                  <a:srgbClr val="FBFDFF"/>
+                </a:highlight>
+                <a:latin typeface="Inter"/>
+              </a:rPr>
+              <a:t>The analyses defined are effective in answering the set problem:</a:t>
+            </a:r>
+          </a:p>
+          <a:p>
+            <a:pPr marL="171450" indent="-171450" algn="l">
+              <a:buFont typeface="Arial" panose="020B0604020202020204" pitchFamily="34" charset="0"/>
+              <a:buChar char="•"/>
+            </a:pPr>
+            <a:r>
+              <a:rPr lang="en-US" b="0" i="0" dirty="0">
+                <a:solidFill>
+                  <a:srgbClr val="1F2123"/>
+                </a:solidFill>
+                <a:effectLst/>
+                <a:highlight>
+                  <a:srgbClr val="FBFDFF"/>
+                </a:highlight>
+                <a:latin typeface="Inter"/>
+              </a:rPr>
+              <a:t>Relevance of the choice of analyses performed (univariate analyses of means &amp; variances performed, detection of anomalies by distribution analysis performed, correlation analysis (Pearson Matrix) performed, etc.)</a:t>
+            </a:r>
+          </a:p>
+          <a:p>
+            <a:pPr marL="171450" indent="-171450" algn="l">
+              <a:buFont typeface="Arial" panose="020B0604020202020204" pitchFamily="34" charset="0"/>
+              <a:buChar char="•"/>
+            </a:pPr>
+            <a:r>
+              <a:rPr lang="en-US" b="0" i="0" dirty="0">
+                <a:solidFill>
+                  <a:srgbClr val="1F2123"/>
+                </a:solidFill>
+                <a:effectLst/>
+                <a:highlight>
+                  <a:srgbClr val="FBFDFF"/>
+                </a:highlight>
+                <a:latin typeface="Inter"/>
+              </a:rPr>
+              <a:t>Efficiency of the analyses performed</a:t>
+            </a:r>
+          </a:p>
+          <a:p>
+            <a:pPr marL="171450" indent="-171450" algn="l">
+              <a:buFont typeface="Arial" panose="020B0604020202020204" pitchFamily="34" charset="0"/>
+              <a:buChar char="•"/>
+            </a:pPr>
+            <a:r>
+              <a:rPr lang="en-US" b="0" i="0" dirty="0">
+                <a:solidFill>
+                  <a:srgbClr val="1F2123"/>
+                </a:solidFill>
+                <a:effectLst/>
+                <a:highlight>
+                  <a:srgbClr val="FBFDFF"/>
+                </a:highlight>
+                <a:latin typeface="Inter"/>
+              </a:rPr>
+              <a:t>Effectiveness of the parallelized treatment applied</a:t>
+            </a:r>
+          </a:p>
+          <a:p>
+            <a:pPr marL="171450" indent="-171450" algn="l">
+              <a:buFont typeface="Arial" panose="020B0604020202020204" pitchFamily="34" charset="0"/>
+              <a:buChar char="•"/>
+            </a:pPr>
+            <a:endParaRPr lang="en-US" b="0" i="0" dirty="0">
+              <a:solidFill>
+                <a:srgbClr val="1F2123"/>
+              </a:solidFill>
+              <a:effectLst/>
+              <a:highlight>
+                <a:srgbClr val="FBFDFF"/>
+              </a:highlight>
+              <a:latin typeface="Inter"/>
+            </a:endParaRPr>
+          </a:p>
+          <a:p>
+            <a:pPr marL="0" indent="0" algn="l">
+              <a:buFont typeface="Arial" panose="020B0604020202020204" pitchFamily="34" charset="0"/>
+              <a:buNone/>
+            </a:pPr>
+            <a:r>
+              <a:rPr lang="en-US" b="0" i="0" dirty="0">
+                <a:solidFill>
+                  <a:srgbClr val="1F2123"/>
+                </a:solidFill>
+                <a:effectLst/>
+                <a:highlight>
+                  <a:srgbClr val="FBFDFF"/>
+                </a:highlight>
+                <a:latin typeface="Inter"/>
+              </a:rPr>
+              <a:t>The recommendations that emerge from the results of these analyses are relevant:</a:t>
+            </a:r>
+          </a:p>
+          <a:p>
+            <a:pPr marL="171450" indent="-171450" algn="l">
+              <a:buFont typeface="Arial" panose="020B0604020202020204" pitchFamily="34" charset="0"/>
+              <a:buChar char="•"/>
+            </a:pPr>
+            <a:r>
+              <a:rPr lang="en-US" b="0" i="0" dirty="0">
+                <a:solidFill>
+                  <a:srgbClr val="1F2123"/>
+                </a:solidFill>
+                <a:effectLst/>
+                <a:highlight>
+                  <a:srgbClr val="FBFDFF"/>
+                </a:highlight>
+                <a:latin typeface="Inter"/>
+              </a:rPr>
+              <a:t>Clarity and simplicity of the graphs constructed and presented.</a:t>
+            </a:r>
+          </a:p>
+          <a:p>
+            <a:pPr marL="171450" indent="-171450" algn="l">
+              <a:buFont typeface="Arial" panose="020B0604020202020204" pitchFamily="34" charset="0"/>
+              <a:buChar char="•"/>
+            </a:pPr>
+            <a:r>
+              <a:rPr lang="en-US" b="0" i="0">
+                <a:solidFill>
+                  <a:srgbClr val="1F2123"/>
+                </a:solidFill>
+                <a:effectLst/>
+                <a:highlight>
+                  <a:srgbClr val="FBFDFF"/>
+                </a:highlight>
+                <a:latin typeface="Inter"/>
+              </a:rPr>
+              <a:t>Clarity of the presentation</a:t>
+            </a:r>
+          </a:p>
+          <a:p>
+            <a:endParaRPr lang="fr-FR" dirty="0"/>
+          </a:p>
+        </p:txBody>
+      </p:sp>
+      <p:sp>
+        <p:nvSpPr>
+          <p:cNvPr id="4" name="Espace réservé du numéro de diapositive 3"/>
+          <p:cNvSpPr>
+            <a:spLocks noGrp="1"/>
+          </p:cNvSpPr>
+          <p:nvPr>
+            <p:ph type="sldNum" sz="quarter" idx="5"/>
+          </p:nvPr>
+        </p:nvSpPr>
+        <p:spPr/>
+        <p:txBody>
+          <a:bodyPr/>
+          <a:lstStyle/>
+          <a:p>
+            <a:fld id="{341AEC00-4977-4C47-A11B-52155DC12F54}" type="slidenum">
+              <a:rPr lang="fr-FR" smtClean="0"/>
+              <a:t>1</a:t>
+            </a:fld>
+            <a:endParaRPr lang="fr-FR"/>
+          </a:p>
+        </p:txBody>
+      </p:sp>
+    </p:spTree>
+    <p:extLst>
+      <p:ext uri="{BB962C8B-B14F-4D97-AF65-F5344CB8AC3E}">
+        <p14:creationId xmlns:p14="http://schemas.microsoft.com/office/powerpoint/2010/main" val="2148408822"/>
+      </p:ext>
+    </p:extLst>
+  </p:cSld>
+  <p:clrMapOvr>
+    <a:masterClrMapping/>
+  </p:clrMapOvr>
+</p:notes>
+</file>
+
 <file path=ppt/slideLayouts/slideLayout1.xml><?xml version="1.0" encoding="utf-8"?>
 <p:sldLayout xmlns:a="http://schemas.openxmlformats.org/drawingml/2006/main" xmlns:r="http://schemas.openxmlformats.org/officeDocument/2006/relationships" xmlns:p="http://schemas.openxmlformats.org/presentationml/2006/main" type="title" preserve="1">
   <p:cSld name="Diapositive de titre">
@@ -1978,7 +2332,7 @@
           <a:p>
             <a:fld id="{7ECB9D5A-E5E4-41FE-AF39-634902D6D5D2}" type="datetimeFigureOut">
               <a:rPr lang="fr-FR" smtClean="0"/>
-              <a:t>24/08/2024</a:t>
+              <a:t>26/08/2024</a:t>
             </a:fld>
             <a:endParaRPr lang="fr-FR"/>
           </a:p>
@@ -2176,7 +2530,7 @@
           <a:p>
             <a:fld id="{7ECB9D5A-E5E4-41FE-AF39-634902D6D5D2}" type="datetimeFigureOut">
               <a:rPr lang="fr-FR" smtClean="0"/>
-              <a:t>24/08/2024</a:t>
+              <a:t>26/08/2024</a:t>
             </a:fld>
             <a:endParaRPr lang="fr-FR"/>
           </a:p>
@@ -2384,7 +2738,7 @@
           <a:p>
             <a:fld id="{7ECB9D5A-E5E4-41FE-AF39-634902D6D5D2}" type="datetimeFigureOut">
               <a:rPr lang="fr-FR" smtClean="0"/>
-              <a:t>24/08/2024</a:t>
+              <a:t>26/08/2024</a:t>
             </a:fld>
             <a:endParaRPr lang="fr-FR"/>
           </a:p>
@@ -2582,7 +2936,7 @@
           <a:p>
             <a:fld id="{7ECB9D5A-E5E4-41FE-AF39-634902D6D5D2}" type="datetimeFigureOut">
               <a:rPr lang="fr-FR" smtClean="0"/>
-              <a:t>24/08/2024</a:t>
+              <a:t>26/08/2024</a:t>
             </a:fld>
             <a:endParaRPr lang="fr-FR"/>
           </a:p>
@@ -2857,7 +3211,7 @@
           <a:p>
             <a:fld id="{7ECB9D5A-E5E4-41FE-AF39-634902D6D5D2}" type="datetimeFigureOut">
               <a:rPr lang="fr-FR" smtClean="0"/>
-              <a:t>24/08/2024</a:t>
+              <a:t>26/08/2024</a:t>
             </a:fld>
             <a:endParaRPr lang="fr-FR"/>
           </a:p>
@@ -3122,7 +3476,7 @@
           <a:p>
             <a:fld id="{7ECB9D5A-E5E4-41FE-AF39-634902D6D5D2}" type="datetimeFigureOut">
               <a:rPr lang="fr-FR" smtClean="0"/>
-              <a:t>24/08/2024</a:t>
+              <a:t>26/08/2024</a:t>
             </a:fld>
             <a:endParaRPr lang="fr-FR"/>
           </a:p>
@@ -3534,7 +3888,7 @@
           <a:p>
             <a:fld id="{7ECB9D5A-E5E4-41FE-AF39-634902D6D5D2}" type="datetimeFigureOut">
               <a:rPr lang="fr-FR" smtClean="0"/>
-              <a:t>24/08/2024</a:t>
+              <a:t>26/08/2024</a:t>
             </a:fld>
             <a:endParaRPr lang="fr-FR"/>
           </a:p>
@@ -3675,7 +4029,7 @@
           <a:p>
             <a:fld id="{7ECB9D5A-E5E4-41FE-AF39-634902D6D5D2}" type="datetimeFigureOut">
               <a:rPr lang="fr-FR" smtClean="0"/>
-              <a:t>24/08/2024</a:t>
+              <a:t>26/08/2024</a:t>
             </a:fld>
             <a:endParaRPr lang="fr-FR"/>
           </a:p>
@@ -3788,7 +4142,7 @@
           <a:p>
             <a:fld id="{7ECB9D5A-E5E4-41FE-AF39-634902D6D5D2}" type="datetimeFigureOut">
               <a:rPr lang="fr-FR" smtClean="0"/>
-              <a:t>24/08/2024</a:t>
+              <a:t>26/08/2024</a:t>
             </a:fld>
             <a:endParaRPr lang="fr-FR"/>
           </a:p>
@@ -4099,7 +4453,7 @@
           <a:p>
             <a:fld id="{7ECB9D5A-E5E4-41FE-AF39-634902D6D5D2}" type="datetimeFigureOut">
               <a:rPr lang="fr-FR" smtClean="0"/>
-              <a:t>24/08/2024</a:t>
+              <a:t>26/08/2024</a:t>
             </a:fld>
             <a:endParaRPr lang="fr-FR"/>
           </a:p>
@@ -4390,7 +4744,7 @@
           <a:p>
             <a:fld id="{7ECB9D5A-E5E4-41FE-AF39-634902D6D5D2}" type="datetimeFigureOut">
               <a:rPr lang="fr-FR" smtClean="0"/>
-              <a:t>24/08/2024</a:t>
+              <a:t>26/08/2024</a:t>
             </a:fld>
             <a:endParaRPr lang="fr-FR"/>
           </a:p>
@@ -4631,7 +4985,7 @@
           <a:p>
             <a:fld id="{7ECB9D5A-E5E4-41FE-AF39-634902D6D5D2}" type="datetimeFigureOut">
               <a:rPr lang="fr-FR" smtClean="0"/>
-              <a:t>24/08/2024</a:t>
+              <a:t>26/08/2024</a:t>
             </a:fld>
             <a:endParaRPr lang="fr-FR"/>
           </a:p>
@@ -5115,7 +5469,7 @@
             </a:r>
             <a:r>
               <a:rPr lang="fr-FR" sz="1400" dirty="0">
-                <a:hlinkClick r:id="rId2"/>
+                <a:hlinkClick r:id="rId3"/>
               </a:rPr>
               <a:t>philippe.baucour@gmail.com</a:t>
             </a:r>
@@ -5130,25 +5484,25 @@
             <a:r>
               <a:rPr lang="fr-FR" sz="1400" dirty="0"/>
               <a:t>  : </a:t>
-            </a:r>
-            <a:r>
-              <a:rPr lang="fr-FR" sz="1400" dirty="0">
-                <a:hlinkClick r:id="rId3"/>
-              </a:rPr>
-              <a:t>https://app.jedha.co/course/project-steam-ft/steam-ft</a:t>
-            </a:r>
-            <a:endParaRPr lang="fr-FR" sz="1400" dirty="0"/>
-          </a:p>
-          <a:p>
-            <a:pPr algn="l"/>
-            <a:r>
-              <a:rPr lang="fr-FR" sz="1400" dirty="0"/>
-              <a:t>files  : </a:t>
             </a:r>
             <a:r>
               <a:rPr lang="fr-FR" sz="1400" dirty="0">
                 <a:hlinkClick r:id="rId4"/>
               </a:rPr>
+              <a:t>https://app.jedha.co/course/project-steam-ft/steam-ft</a:t>
+            </a:r>
+            <a:endParaRPr lang="fr-FR" sz="1400" dirty="0"/>
+          </a:p>
+          <a:p>
+            <a:pPr algn="l"/>
+            <a:r>
+              <a:rPr lang="fr-FR" sz="1400" dirty="0"/>
+              <a:t>files  : </a:t>
+            </a:r>
+            <a:r>
+              <a:rPr lang="fr-FR" sz="1400" dirty="0">
+                <a:hlinkClick r:id="rId5"/>
+              </a:rPr>
               <a:t>https://github.com/40tude/fullstack_mars_2024_3/tree/main/04_big_data/99_Project_Steam</a:t>
             </a:r>
             <a:endParaRPr lang="fr-FR" sz="1400" dirty="0"/>
@@ -5161,7 +5515,7 @@
             <a:pPr algn="l"/>
             <a:r>
               <a:rPr lang="fr-FR" sz="900" dirty="0">
-                <a:hlinkClick r:id="rId5"/>
+                <a:hlinkClick r:id="rId6"/>
               </a:rPr>
               <a:t>https://databricks-prod-cloudfront.cloud.databricks.com/public/4027ec902e239c93eaaa8714f173bcfc/3208668746250363/3820867594722529/1163468565521033/latest.html</a:t>
             </a:r>
@@ -5170,32 +5524,35 @@
           <a:p>
             <a:pPr algn="l"/>
             <a:r>
-              <a:rPr lang="en-US" sz="900" dirty="0">
-                <a:hlinkClick r:id="rId6"/>
+              <a:rPr lang="fr-FR" sz="900" dirty="0">
+                <a:hlinkClick r:id="rId7"/>
               </a:rPr>
               <a:t>https://databricks-prod-cloudfront.cloud.databricks.com/public/4027ec902e239c93eaaa8714f173bcfc/3208668746250363/3820867594722590/1163468565521033/latest.html</a:t>
             </a:r>
-            <a:endParaRPr lang="en-US" sz="900" dirty="0"/>
+            <a:endParaRPr lang="fr-FR" sz="900" dirty="0"/>
           </a:p>
           <a:p>
             <a:pPr algn="l"/>
             <a:r>
-              <a:rPr lang="en-US" sz="900" dirty="0">
-                <a:hlinkClick r:id="rId7"/>
+              <a:rPr lang="fr-FR" sz="900" dirty="0">
+                <a:hlinkClick r:id="rId8"/>
               </a:rPr>
               <a:t>https://databricks-prod-cloudfront.cloud.databricks.com/public/4027ec902e239c93eaaa8714f173bcfc/3208668746250363/3391531865810786/1163468565521033/latest.html</a:t>
             </a:r>
-            <a:endParaRPr lang="en-US" sz="900" dirty="0"/>
+            <a:endParaRPr lang="fr-FR" sz="900" dirty="0"/>
           </a:p>
           <a:p>
             <a:pPr algn="l"/>
-            <a:endParaRPr lang="en-US" sz="1100" dirty="0"/>
-          </a:p>
-          <a:p>
-            <a:pPr algn="l"/>
+            <a:br>
+              <a:rPr lang="en-US" sz="1400"/>
+            </a:br>
+            <a:r>
+              <a:rPr lang="en-US" sz="1400"/>
+              <a:t>The </a:t>
+            </a:r>
             <a:r>
               <a:rPr lang="en-US" sz="1400" dirty="0"/>
-              <a:t>The content of the following slides is mainly a cut-and-paste of what's already available in the project notebook(s). The idea is that the slides can be used to guide and frame the presentation and discussion.</a:t>
+              <a:t>content of the following slides is mainly a cut-and-paste of what's already available in the project notebook(s). The idea is that the slides can be used to guide and frame the presentation and discussion.</a:t>
             </a:r>
             <a:endParaRPr lang="fr-FR" sz="1400" dirty="0"/>
           </a:p>

--- a/04_big_data/99_Project_Steam/01_steam_project.pptx
+++ b/04_big_data/99_Project_Steam/01_steam_project.pptx
@@ -135,7 +135,7 @@
   <pc:docChgLst>
     <pc:chgData name="Philippe Baucour" userId="5102170ae7533958" providerId="LiveId" clId="{FB309223-E9E0-44D1-8A29-32821B1882E7}"/>
     <pc:docChg chg="undo custSel addSld delSld modSld sldOrd">
-      <pc:chgData name="Philippe Baucour" userId="5102170ae7533958" providerId="LiveId" clId="{FB309223-E9E0-44D1-8A29-32821B1882E7}" dt="2024-08-26T12:56:14.838" v="1073" actId="20577"/>
+      <pc:chgData name="Philippe Baucour" userId="5102170ae7533958" providerId="LiveId" clId="{FB309223-E9E0-44D1-8A29-32821B1882E7}" dt="2024-09-04T14:14:20.792" v="1239"/>
       <pc:docMkLst>
         <pc:docMk/>
       </pc:docMkLst>
@@ -162,14 +162,14 @@
           </ac:spMkLst>
         </pc:spChg>
       </pc:sldChg>
-      <pc:sldChg chg="modSp mod">
-        <pc:chgData name="Philippe Baucour" userId="5102170ae7533958" providerId="LiveId" clId="{FB309223-E9E0-44D1-8A29-32821B1882E7}" dt="2024-08-21T12:31:04.125" v="986" actId="20577"/>
+      <pc:sldChg chg="modSp mod modNotesTx">
+        <pc:chgData name="Philippe Baucour" userId="5102170ae7533958" providerId="LiveId" clId="{FB309223-E9E0-44D1-8A29-32821B1882E7}" dt="2024-09-04T14:14:20.792" v="1239"/>
         <pc:sldMkLst>
           <pc:docMk/>
           <pc:sldMk cId="3201622378" sldId="257"/>
         </pc:sldMkLst>
         <pc:spChg chg="mod">
-          <ac:chgData name="Philippe Baucour" userId="5102170ae7533958" providerId="LiveId" clId="{FB309223-E9E0-44D1-8A29-32821B1882E7}" dt="2024-08-21T12:31:04.125" v="986" actId="20577"/>
+          <ac:chgData name="Philippe Baucour" userId="5102170ae7533958" providerId="LiveId" clId="{FB309223-E9E0-44D1-8A29-32821B1882E7}" dt="2024-09-03T16:00:00.910" v="1075" actId="20577"/>
           <ac:spMkLst>
             <pc:docMk/>
             <pc:sldMk cId="3201622378" sldId="257"/>
@@ -178,13 +178,13 @@
         </pc:spChg>
       </pc:sldChg>
       <pc:sldChg chg="modSp mod">
-        <pc:chgData name="Philippe Baucour" userId="5102170ae7533958" providerId="LiveId" clId="{FB309223-E9E0-44D1-8A29-32821B1882E7}" dt="2024-08-21T09:33:23.752" v="122" actId="113"/>
+        <pc:chgData name="Philippe Baucour" userId="5102170ae7533958" providerId="LiveId" clId="{FB309223-E9E0-44D1-8A29-32821B1882E7}" dt="2024-09-04T06:08:10.453" v="1091" actId="207"/>
         <pc:sldMkLst>
           <pc:docMk/>
           <pc:sldMk cId="246086491" sldId="258"/>
         </pc:sldMkLst>
         <pc:spChg chg="mod">
-          <ac:chgData name="Philippe Baucour" userId="5102170ae7533958" providerId="LiveId" clId="{FB309223-E9E0-44D1-8A29-32821B1882E7}" dt="2024-08-21T09:33:23.752" v="122" actId="113"/>
+          <ac:chgData name="Philippe Baucour" userId="5102170ae7533958" providerId="LiveId" clId="{FB309223-E9E0-44D1-8A29-32821B1882E7}" dt="2024-09-04T06:08:10.453" v="1091" actId="207"/>
           <ac:spMkLst>
             <pc:docMk/>
             <pc:sldMk cId="246086491" sldId="258"/>
@@ -193,7 +193,7 @@
         </pc:spChg>
       </pc:sldChg>
       <pc:sldChg chg="addSp delSp modSp new mod">
-        <pc:chgData name="Philippe Baucour" userId="5102170ae7533958" providerId="LiveId" clId="{FB309223-E9E0-44D1-8A29-32821B1882E7}" dt="2024-08-21T09:38:10.829" v="184" actId="20577"/>
+        <pc:chgData name="Philippe Baucour" userId="5102170ae7533958" providerId="LiveId" clId="{FB309223-E9E0-44D1-8A29-32821B1882E7}" dt="2024-09-04T06:04:42.868" v="1077" actId="1076"/>
         <pc:sldMkLst>
           <pc:docMk/>
           <pc:sldMk cId="892752956" sldId="259"/>
@@ -215,7 +215,7 @@
           </ac:spMkLst>
         </pc:spChg>
         <pc:picChg chg="add mod">
-          <ac:chgData name="Philippe Baucour" userId="5102170ae7533958" providerId="LiveId" clId="{FB309223-E9E0-44D1-8A29-32821B1882E7}" dt="2024-08-21T07:57:20.160" v="91" actId="1076"/>
+          <ac:chgData name="Philippe Baucour" userId="5102170ae7533958" providerId="LiveId" clId="{FB309223-E9E0-44D1-8A29-32821B1882E7}" dt="2024-09-04T06:04:32.785" v="1076" actId="14100"/>
           <ac:picMkLst>
             <pc:docMk/>
             <pc:sldMk cId="892752956" sldId="259"/>
@@ -223,7 +223,7 @@
           </ac:picMkLst>
         </pc:picChg>
         <pc:picChg chg="add mod ord">
-          <ac:chgData name="Philippe Baucour" userId="5102170ae7533958" providerId="LiveId" clId="{FB309223-E9E0-44D1-8A29-32821B1882E7}" dt="2024-08-21T07:57:24.875" v="92" actId="1076"/>
+          <ac:chgData name="Philippe Baucour" userId="5102170ae7533958" providerId="LiveId" clId="{FB309223-E9E0-44D1-8A29-32821B1882E7}" dt="2024-09-04T06:04:42.868" v="1077" actId="1076"/>
           <ac:picMkLst>
             <pc:docMk/>
             <pc:sldMk cId="892752956" sldId="259"/>
@@ -276,7 +276,7 @@
         </pc:sldMkLst>
       </pc:sldChg>
       <pc:sldChg chg="addSp modSp new mod">
-        <pc:chgData name="Philippe Baucour" userId="5102170ae7533958" providerId="LiveId" clId="{FB309223-E9E0-44D1-8A29-32821B1882E7}" dt="2024-08-21T09:43:32.664" v="374" actId="1076"/>
+        <pc:chgData name="Philippe Baucour" userId="5102170ae7533958" providerId="LiveId" clId="{FB309223-E9E0-44D1-8A29-32821B1882E7}" dt="2024-09-04T06:12:51.447" v="1234" actId="20577"/>
         <pc:sldMkLst>
           <pc:docMk/>
           <pc:sldMk cId="3454558438" sldId="261"/>
@@ -290,7 +290,7 @@
           </ac:spMkLst>
         </pc:spChg>
         <pc:spChg chg="mod">
-          <ac:chgData name="Philippe Baucour" userId="5102170ae7533958" providerId="LiveId" clId="{FB309223-E9E0-44D1-8A29-32821B1882E7}" dt="2024-08-21T09:41:22.792" v="363" actId="20577"/>
+          <ac:chgData name="Philippe Baucour" userId="5102170ae7533958" providerId="LiveId" clId="{FB309223-E9E0-44D1-8A29-32821B1882E7}" dt="2024-09-04T06:12:51.447" v="1234" actId="20577"/>
           <ac:spMkLst>
             <pc:docMk/>
             <pc:sldMk cId="3454558438" sldId="261"/>
@@ -323,7 +323,7 @@
         </pc:picChg>
       </pc:sldChg>
       <pc:sldChg chg="addSp modSp new mod">
-        <pc:chgData name="Philippe Baucour" userId="5102170ae7533958" providerId="LiveId" clId="{FB309223-E9E0-44D1-8A29-32821B1882E7}" dt="2024-08-21T09:50:30.265" v="615" actId="1076"/>
+        <pc:chgData name="Philippe Baucour" userId="5102170ae7533958" providerId="LiveId" clId="{FB309223-E9E0-44D1-8A29-32821B1882E7}" dt="2024-09-04T06:15:44.297" v="1238" actId="207"/>
         <pc:sldMkLst>
           <pc:docMk/>
           <pc:sldMk cId="2740920124" sldId="262"/>
@@ -337,7 +337,7 @@
           </ac:spMkLst>
         </pc:spChg>
         <pc:spChg chg="mod">
-          <ac:chgData name="Philippe Baucour" userId="5102170ae7533958" providerId="LiveId" clId="{FB309223-E9E0-44D1-8A29-32821B1882E7}" dt="2024-08-21T09:50:20.789" v="614" actId="20577"/>
+          <ac:chgData name="Philippe Baucour" userId="5102170ae7533958" providerId="LiveId" clId="{FB309223-E9E0-44D1-8A29-32821B1882E7}" dt="2024-09-04T06:15:44.297" v="1238" actId="207"/>
           <ac:spMkLst>
             <pc:docMk/>
             <pc:sldMk cId="2740920124" sldId="262"/>
@@ -1564,7 +1564,7 @@
           <a:p>
             <a:fld id="{FD1752CD-A7D2-4825-BC26-9DAEFBD0A5FF}" type="datetimeFigureOut">
               <a:rPr lang="fr-FR" smtClean="0"/>
-              <a:t>26/08/2024</a:t>
+              <a:t>03/09/2024</a:t>
             </a:fld>
             <a:endParaRPr lang="fr-FR"/>
           </a:p>
@@ -2185,6 +2185,147 @@
 </p:notes>
 </file>
 
+<file path=ppt/notesSlides/notesSlide2.xml><?xml version="1.0" encoding="utf-8"?>
+<p:notes xmlns:a="http://schemas.openxmlformats.org/drawingml/2006/main" xmlns:r="http://schemas.openxmlformats.org/officeDocument/2006/relationships" xmlns:p="http://schemas.openxmlformats.org/presentationml/2006/main">
+  <p:cSld>
+    <p:spTree>
+      <p:nvGrpSpPr>
+        <p:cNvPr id="1" name=""/>
+        <p:cNvGrpSpPr/>
+        <p:nvPr/>
+      </p:nvGrpSpPr>
+      <p:grpSpPr>
+        <a:xfrm>
+          <a:off x="0" y="0"/>
+          <a:ext cx="0" cy="0"/>
+          <a:chOff x="0" y="0"/>
+          <a:chExt cx="0" cy="0"/>
+        </a:xfrm>
+      </p:grpSpPr>
+      <p:sp>
+        <p:nvSpPr>
+          <p:cNvPr id="2" name="Espace réservé de l'image des diapositives 1"/>
+          <p:cNvSpPr>
+            <a:spLocks noGrp="1" noRot="1" noChangeAspect="1"/>
+          </p:cNvSpPr>
+          <p:nvPr>
+            <p:ph type="sldImg"/>
+          </p:nvPr>
+        </p:nvSpPr>
+        <p:spPr/>
+      </p:sp>
+      <p:sp>
+        <p:nvSpPr>
+          <p:cNvPr id="3" name="Espace réservé des notes 2"/>
+          <p:cNvSpPr>
+            <a:spLocks noGrp="1"/>
+          </p:cNvSpPr>
+          <p:nvPr>
+            <p:ph type="body" idx="1"/>
+          </p:nvPr>
+        </p:nvSpPr>
+        <p:spPr/>
+        <p:txBody>
+          <a:bodyPr/>
+          <a:lstStyle/>
+          <a:p>
+            <a:r>
+              <a:rPr lang="en-US" dirty="0"/>
+              <a:t>EDA                     	: The recipe</a:t>
+            </a:r>
+          </a:p>
+          <a:p>
+            <a:r>
+              <a:rPr lang="en-US" dirty="0"/>
+              <a:t>Features Engineering	: The secret sauce</a:t>
+            </a:r>
+          </a:p>
+          <a:p>
+            <a:r>
+              <a:rPr lang="en-US" dirty="0"/>
+              <a:t>Baseline model          	: The first taste</a:t>
+            </a:r>
+          </a:p>
+          <a:p>
+            <a:r>
+              <a:rPr lang="en-US" dirty="0"/>
+              <a:t>Interpreting results    	: The tasting notes</a:t>
+            </a:r>
+          </a:p>
+          <a:p>
+            <a:endParaRPr lang="en-US" dirty="0"/>
+          </a:p>
+          <a:p>
+            <a:r>
+              <a:rPr lang="en-US" dirty="0"/>
+              <a:t>Don't mess with EDA     	: Never!</a:t>
+            </a:r>
+          </a:p>
+          <a:p>
+            <a:r>
+              <a:rPr lang="en-US" dirty="0"/>
+              <a:t>Feature engineering	: Smart!</a:t>
+            </a:r>
+          </a:p>
+          <a:p>
+            <a:r>
+              <a:rPr lang="en-US" dirty="0"/>
+              <a:t>Get a baseline model    	: Fast!</a:t>
+            </a:r>
+          </a:p>
+          <a:p>
+            <a:r>
+              <a:rPr lang="en-US" dirty="0"/>
+              <a:t>Results analysis        	: Always! </a:t>
+            </a:r>
+          </a:p>
+          <a:p>
+            <a:endParaRPr lang="en-US" dirty="0"/>
+          </a:p>
+          <a:p>
+            <a:endParaRPr lang="fr-FR"/>
+          </a:p>
+          <a:p>
+            <a:endParaRPr lang="fr-FR"/>
+          </a:p>
+        </p:txBody>
+      </p:sp>
+      <p:sp>
+        <p:nvSpPr>
+          <p:cNvPr id="4" name="Espace réservé du numéro de diapositive 3"/>
+          <p:cNvSpPr>
+            <a:spLocks noGrp="1"/>
+          </p:cNvSpPr>
+          <p:nvPr>
+            <p:ph type="sldNum" sz="quarter" idx="5"/>
+          </p:nvPr>
+        </p:nvSpPr>
+        <p:spPr/>
+        <p:txBody>
+          <a:bodyPr/>
+          <a:lstStyle/>
+          <a:p>
+            <a:fld id="{341AEC00-4977-4C47-A11B-52155DC12F54}" type="slidenum">
+              <a:rPr lang="fr-FR" smtClean="0"/>
+              <a:t>7</a:t>
+            </a:fld>
+            <a:endParaRPr lang="fr-FR"/>
+          </a:p>
+        </p:txBody>
+      </p:sp>
+    </p:spTree>
+    <p:extLst>
+      <p:ext uri="{BB962C8B-B14F-4D97-AF65-F5344CB8AC3E}">
+        <p14:creationId xmlns:p14="http://schemas.microsoft.com/office/powerpoint/2010/main" val="1759616125"/>
+      </p:ext>
+    </p:extLst>
+  </p:cSld>
+  <p:clrMapOvr>
+    <a:masterClrMapping/>
+  </p:clrMapOvr>
+</p:notes>
+</file>
+
 <file path=ppt/slideLayouts/slideLayout1.xml><?xml version="1.0" encoding="utf-8"?>
 <p:sldLayout xmlns:a="http://schemas.openxmlformats.org/drawingml/2006/main" xmlns:r="http://schemas.openxmlformats.org/officeDocument/2006/relationships" xmlns:p="http://schemas.openxmlformats.org/presentationml/2006/main" type="title" preserve="1">
   <p:cSld name="Diapositive de titre">
@@ -2332,7 +2473,7 @@
           <a:p>
             <a:fld id="{7ECB9D5A-E5E4-41FE-AF39-634902D6D5D2}" type="datetimeFigureOut">
               <a:rPr lang="fr-FR" smtClean="0"/>
-              <a:t>26/08/2024</a:t>
+              <a:t>03/09/2024</a:t>
             </a:fld>
             <a:endParaRPr lang="fr-FR"/>
           </a:p>
@@ -2530,7 +2671,7 @@
           <a:p>
             <a:fld id="{7ECB9D5A-E5E4-41FE-AF39-634902D6D5D2}" type="datetimeFigureOut">
               <a:rPr lang="fr-FR" smtClean="0"/>
-              <a:t>26/08/2024</a:t>
+              <a:t>03/09/2024</a:t>
             </a:fld>
             <a:endParaRPr lang="fr-FR"/>
           </a:p>
@@ -2738,7 +2879,7 @@
           <a:p>
             <a:fld id="{7ECB9D5A-E5E4-41FE-AF39-634902D6D5D2}" type="datetimeFigureOut">
               <a:rPr lang="fr-FR" smtClean="0"/>
-              <a:t>26/08/2024</a:t>
+              <a:t>03/09/2024</a:t>
             </a:fld>
             <a:endParaRPr lang="fr-FR"/>
           </a:p>
@@ -2936,7 +3077,7 @@
           <a:p>
             <a:fld id="{7ECB9D5A-E5E4-41FE-AF39-634902D6D5D2}" type="datetimeFigureOut">
               <a:rPr lang="fr-FR" smtClean="0"/>
-              <a:t>26/08/2024</a:t>
+              <a:t>03/09/2024</a:t>
             </a:fld>
             <a:endParaRPr lang="fr-FR"/>
           </a:p>
@@ -3211,7 +3352,7 @@
           <a:p>
             <a:fld id="{7ECB9D5A-E5E4-41FE-AF39-634902D6D5D2}" type="datetimeFigureOut">
               <a:rPr lang="fr-FR" smtClean="0"/>
-              <a:t>26/08/2024</a:t>
+              <a:t>03/09/2024</a:t>
             </a:fld>
             <a:endParaRPr lang="fr-FR"/>
           </a:p>
@@ -3476,7 +3617,7 @@
           <a:p>
             <a:fld id="{7ECB9D5A-E5E4-41FE-AF39-634902D6D5D2}" type="datetimeFigureOut">
               <a:rPr lang="fr-FR" smtClean="0"/>
-              <a:t>26/08/2024</a:t>
+              <a:t>03/09/2024</a:t>
             </a:fld>
             <a:endParaRPr lang="fr-FR"/>
           </a:p>
@@ -3888,7 +4029,7 @@
           <a:p>
             <a:fld id="{7ECB9D5A-E5E4-41FE-AF39-634902D6D5D2}" type="datetimeFigureOut">
               <a:rPr lang="fr-FR" smtClean="0"/>
-              <a:t>26/08/2024</a:t>
+              <a:t>03/09/2024</a:t>
             </a:fld>
             <a:endParaRPr lang="fr-FR"/>
           </a:p>
@@ -4029,7 +4170,7 @@
           <a:p>
             <a:fld id="{7ECB9D5A-E5E4-41FE-AF39-634902D6D5D2}" type="datetimeFigureOut">
               <a:rPr lang="fr-FR" smtClean="0"/>
-              <a:t>26/08/2024</a:t>
+              <a:t>03/09/2024</a:t>
             </a:fld>
             <a:endParaRPr lang="fr-FR"/>
           </a:p>
@@ -4142,7 +4283,7 @@
           <a:p>
             <a:fld id="{7ECB9D5A-E5E4-41FE-AF39-634902D6D5D2}" type="datetimeFigureOut">
               <a:rPr lang="fr-FR" smtClean="0"/>
-              <a:t>26/08/2024</a:t>
+              <a:t>03/09/2024</a:t>
             </a:fld>
             <a:endParaRPr lang="fr-FR"/>
           </a:p>
@@ -4453,7 +4594,7 @@
           <a:p>
             <a:fld id="{7ECB9D5A-E5E4-41FE-AF39-634902D6D5D2}" type="datetimeFigureOut">
               <a:rPr lang="fr-FR" smtClean="0"/>
-              <a:t>26/08/2024</a:t>
+              <a:t>03/09/2024</a:t>
             </a:fld>
             <a:endParaRPr lang="fr-FR"/>
           </a:p>
@@ -4744,7 +4885,7 @@
           <a:p>
             <a:fld id="{7ECB9D5A-E5E4-41FE-AF39-634902D6D5D2}" type="datetimeFigureOut">
               <a:rPr lang="fr-FR" smtClean="0"/>
-              <a:t>26/08/2024</a:t>
+              <a:t>03/09/2024</a:t>
             </a:fld>
             <a:endParaRPr lang="fr-FR"/>
           </a:p>
@@ -4985,7 +5126,7 @@
           <a:p>
             <a:fld id="{7ECB9D5A-E5E4-41FE-AF39-634902D6D5D2}" type="datetimeFigureOut">
               <a:rPr lang="fr-FR" smtClean="0"/>
-              <a:t>26/08/2024</a:t>
+              <a:t>03/09/2024</a:t>
             </a:fld>
             <a:endParaRPr lang="fr-FR"/>
           </a:p>
@@ -5640,7 +5781,7 @@
         <p:spPr/>
         <p:txBody>
           <a:bodyPr>
-            <a:normAutofit fontScale="55000" lnSpcReduction="20000"/>
+            <a:normAutofit fontScale="47500" lnSpcReduction="20000"/>
           </a:bodyPr>
           <a:lstStyle/>
           <a:p>
@@ -5743,6 +5884,23 @@
             </a:r>
           </a:p>
           <a:p>
+            <a:r>
+              <a:rPr lang="en-US" b="1" dirty="0">
+                <a:solidFill>
+                  <a:srgbClr val="C00000"/>
+                </a:solidFill>
+              </a:rPr>
+              <a:t>BONUS -</a:t>
+            </a:r>
+            <a:r>
+              <a:rPr lang="en-US" dirty="0"/>
+              <a:t> Is there any publisher dedicated to one platform ?</a:t>
+            </a:r>
+          </a:p>
+          <a:p>
+            <a:pPr marL="0" indent="0">
+              <a:buNone/>
+            </a:pPr>
             <a:r>
               <a:rPr lang="en-US" dirty="0"/>
               <a:t>You're free to follow these guidelines, or to choose a different angle of analysis, as long as your analysis reveals relevant and useful information. 🤓</a:t>
@@ -5857,8 +6015,8 @@
         </p:blipFill>
         <p:spPr>
           <a:xfrm>
-            <a:off x="132920" y="1025065"/>
-            <a:ext cx="8007471" cy="3292098"/>
+            <a:off x="132921" y="1025065"/>
+            <a:ext cx="6707080" cy="2757470"/>
           </a:xfrm>
           <a:prstGeom prst="rect">
             <a:avLst/>
@@ -5896,7 +6054,7 @@
         </p:blipFill>
         <p:spPr>
           <a:xfrm>
-            <a:off x="3781657" y="2934749"/>
+            <a:off x="3601657" y="2566436"/>
             <a:ext cx="5229758" cy="1754121"/>
           </a:xfrm>
           <a:prstGeom prst="rect">
@@ -6139,7 +6297,9 @@
           </a:xfrm>
         </p:spPr>
         <p:txBody>
-          <a:bodyPr/>
+          <a:bodyPr>
+            <a:normAutofit/>
+          </a:bodyPr>
           <a:lstStyle/>
           <a:p>
             <a:r>
@@ -6172,6 +6332,73 @@
               <a:t>addressed</a:t>
             </a:r>
             <a:endParaRPr lang="fr-FR" dirty="0"/>
+          </a:p>
+          <a:p>
+            <a:endParaRPr lang="fr-FR" dirty="0"/>
+          </a:p>
+          <a:p>
+            <a:endParaRPr lang="fr-FR" dirty="0"/>
+          </a:p>
+          <a:p>
+            <a:endParaRPr lang="fr-FR" dirty="0"/>
+          </a:p>
+          <a:p>
+            <a:pPr marL="0" indent="0">
+              <a:buNone/>
+            </a:pPr>
+            <a:r>
+              <a:rPr lang="fr-FR" sz="1800" dirty="0" err="1"/>
+              <a:t>When</a:t>
+            </a:r>
+            <a:r>
+              <a:rPr lang="fr-FR" sz="1800" dirty="0"/>
+              <a:t> .display() (vs .show()) </a:t>
+            </a:r>
+            <a:r>
+              <a:rPr lang="fr-FR" sz="1800" dirty="0" err="1"/>
+              <a:t>is</a:t>
+            </a:r>
+            <a:r>
+              <a:rPr lang="fr-FR" sz="1800" dirty="0"/>
+              <a:t> </a:t>
+            </a:r>
+            <a:r>
+              <a:rPr lang="fr-FR" sz="1800" dirty="0" err="1"/>
+              <a:t>used</a:t>
+            </a:r>
+            <a:r>
+              <a:rPr lang="fr-FR" sz="1800" dirty="0"/>
+              <a:t> to </a:t>
+            </a:r>
+            <a:r>
+              <a:rPr lang="fr-FR" sz="1800" dirty="0" err="1"/>
+              <a:t>list</a:t>
+            </a:r>
+            <a:r>
+              <a:rPr lang="fr-FR" sz="1800" dirty="0"/>
+              <a:t> </a:t>
+            </a:r>
+            <a:r>
+              <a:rPr lang="fr-FR" sz="1800" dirty="0" err="1"/>
+              <a:t>results</a:t>
+            </a:r>
+            <a:r>
+              <a:rPr lang="fr-FR" sz="1800" dirty="0"/>
+              <a:t>, </a:t>
+            </a:r>
+            <a:r>
+              <a:rPr lang="fr-FR" sz="1800" dirty="0" err="1"/>
+              <a:t>feel</a:t>
+            </a:r>
+            <a:r>
+              <a:rPr lang="fr-FR" sz="1800" dirty="0"/>
+              <a:t> free to use </a:t>
+            </a:r>
+            <a:r>
+              <a:rPr lang="en-US" sz="1800" dirty="0"/>
+              <a:t>"ordering arrow" to display the data in the order that you wish</a:t>
+            </a:r>
+            <a:endParaRPr lang="fr-FR" sz="1800" dirty="0"/>
           </a:p>
           <a:p>
             <a:endParaRPr lang="fr-FR" dirty="0"/>
@@ -6449,24 +6676,16 @@
           </a:p>
           <a:p>
             <a:r>
+              <a:rPr lang="fr-FR" b="1" dirty="0" err="1">
+                <a:solidFill>
+                  <a:srgbClr val="FFC000"/>
+                </a:solidFill>
+              </a:rPr>
+              <a:t>Comments</a:t>
+            </a:r>
+            <a:r>
               <a:rPr lang="fr-FR" dirty="0"/>
-              <a:t>`</a:t>
-            </a:r>
-            <a:r>
-              <a:rPr lang="fr-FR" dirty="0" err="1"/>
-              <a:t>Comments</a:t>
-            </a:r>
-            <a:r>
-              <a:rPr lang="fr-FR" dirty="0"/>
-              <a:t>` sections of the </a:t>
-            </a:r>
-            <a:r>
-              <a:rPr lang="fr-FR" dirty="0" err="1"/>
-              <a:t>notbook</a:t>
-            </a:r>
-            <a:r>
-              <a:rPr lang="fr-FR" dirty="0"/>
-              <a:t> </a:t>
+              <a:t> sections of the notebook </a:t>
             </a:r>
             <a:r>
               <a:rPr lang="fr-FR" dirty="0" err="1"/>
@@ -6777,15 +6996,7 @@
             </a:r>
             <a:r>
               <a:rPr lang="fr-FR" dirty="0"/>
-              <a:t> a </a:t>
-            </a:r>
-            <a:r>
-              <a:rPr lang="fr-FR" dirty="0" err="1"/>
-              <a:t>limitationof</a:t>
-            </a:r>
-            <a:r>
-              <a:rPr lang="fr-FR" dirty="0"/>
-              <a:t> the Community Edition</a:t>
+              <a:t> a limitation of the Community Edition</a:t>
             </a:r>
           </a:p>
           <a:p>
@@ -6896,8 +7107,12 @@
               <a:t> </a:t>
             </a:r>
             <a:r>
-              <a:rPr lang="fr-FR"/>
-              <a:t>operations </a:t>
+              <a:rPr lang="fr-FR" dirty="0" err="1"/>
+              <a:t>operations</a:t>
+            </a:r>
+            <a:r>
+              <a:rPr lang="fr-FR" dirty="0"/>
+              <a:t> </a:t>
             </a:r>
             <a:r>
               <a:rPr lang="fr-FR" dirty="0" err="1"/>

--- a/04_big_data/99_Project_Steam/01_steam_project.pptx
+++ b/04_big_data/99_Project_Steam/01_steam_project.pptx
@@ -5,17 +5,16 @@
     <p:sldMasterId id="2147483660" r:id="rId1"/>
   </p:sldMasterIdLst>
   <p:notesMasterIdLst>
-    <p:notesMasterId r:id="rId10"/>
+    <p:notesMasterId r:id="rId9"/>
   </p:notesMasterIdLst>
   <p:sldIdLst>
     <p:sldId id="256" r:id="rId2"/>
     <p:sldId id="258" r:id="rId3"/>
     <p:sldId id="259" r:id="rId4"/>
-    <p:sldId id="260" r:id="rId5"/>
-    <p:sldId id="261" r:id="rId6"/>
-    <p:sldId id="262" r:id="rId7"/>
-    <p:sldId id="257" r:id="rId8"/>
-    <p:sldId id="263" r:id="rId9"/>
+    <p:sldId id="261" r:id="rId5"/>
+    <p:sldId id="262" r:id="rId6"/>
+    <p:sldId id="257" r:id="rId7"/>
+    <p:sldId id="263" r:id="rId8"/>
   </p:sldIdLst>
   <p:sldSz cx="12192000" cy="6858000"/>
   <p:notesSz cx="6858000" cy="9144000"/>
@@ -135,7 +134,7 @@
   <pc:docChgLst>
     <pc:chgData name="Philippe Baucour" userId="5102170ae7533958" providerId="LiveId" clId="{FB309223-E9E0-44D1-8A29-32821B1882E7}"/>
     <pc:docChg chg="undo custSel addSld delSld modSld sldOrd">
-      <pc:chgData name="Philippe Baucour" userId="5102170ae7533958" providerId="LiveId" clId="{FB309223-E9E0-44D1-8A29-32821B1882E7}" dt="2024-09-04T14:14:20.792" v="1239"/>
+      <pc:chgData name="Philippe Baucour" userId="5102170ae7533958" providerId="LiveId" clId="{FB309223-E9E0-44D1-8A29-32821B1882E7}" dt="2024-09-04T15:05:20.177" v="1242" actId="47"/>
       <pc:docMkLst>
         <pc:docMk/>
       </pc:docMkLst>
@@ -178,13 +177,13 @@
         </pc:spChg>
       </pc:sldChg>
       <pc:sldChg chg="modSp mod">
-        <pc:chgData name="Philippe Baucour" userId="5102170ae7533958" providerId="LiveId" clId="{FB309223-E9E0-44D1-8A29-32821B1882E7}" dt="2024-09-04T06:08:10.453" v="1091" actId="207"/>
+        <pc:chgData name="Philippe Baucour" userId="5102170ae7533958" providerId="LiveId" clId="{FB309223-E9E0-44D1-8A29-32821B1882E7}" dt="2024-09-04T15:05:09.478" v="1241" actId="20577"/>
         <pc:sldMkLst>
           <pc:docMk/>
           <pc:sldMk cId="246086491" sldId="258"/>
         </pc:sldMkLst>
         <pc:spChg chg="mod">
-          <ac:chgData name="Philippe Baucour" userId="5102170ae7533958" providerId="LiveId" clId="{FB309223-E9E0-44D1-8A29-32821B1882E7}" dt="2024-09-04T06:08:10.453" v="1091" actId="207"/>
+          <ac:chgData name="Philippe Baucour" userId="5102170ae7533958" providerId="LiveId" clId="{FB309223-E9E0-44D1-8A29-32821B1882E7}" dt="2024-09-04T15:05:09.478" v="1241" actId="20577"/>
           <ac:spMkLst>
             <pc:docMk/>
             <pc:sldMk cId="246086491" sldId="258"/>
@@ -253,8 +252,8 @@
           <pc:sldMk cId="3605500931" sldId="260"/>
         </pc:sldMkLst>
       </pc:sldChg>
-      <pc:sldChg chg="addSp new mod modShow">
-        <pc:chgData name="Philippe Baucour" userId="5102170ae7533958" providerId="LiveId" clId="{FB309223-E9E0-44D1-8A29-32821B1882E7}" dt="2024-08-21T09:34:57.080" v="123" actId="729"/>
+      <pc:sldChg chg="addSp new del mod modShow">
+        <pc:chgData name="Philippe Baucour" userId="5102170ae7533958" providerId="LiveId" clId="{FB309223-E9E0-44D1-8A29-32821B1882E7}" dt="2024-09-04T15:05:20.177" v="1242" actId="47"/>
         <pc:sldMkLst>
           <pc:docMk/>
           <pc:sldMk cId="3990801946" sldId="260"/>
@@ -1564,7 +1563,7 @@
           <a:p>
             <a:fld id="{FD1752CD-A7D2-4825-BC26-9DAEFBD0A5FF}" type="datetimeFigureOut">
               <a:rPr lang="fr-FR" smtClean="0"/>
-              <a:t>03/09/2024</a:t>
+              <a:t>04/09/2024</a:t>
             </a:fld>
             <a:endParaRPr lang="fr-FR"/>
           </a:p>
@@ -2307,7 +2306,7 @@
           <a:p>
             <a:fld id="{341AEC00-4977-4C47-A11B-52155DC12F54}" type="slidenum">
               <a:rPr lang="fr-FR" smtClean="0"/>
-              <a:t>7</a:t>
+              <a:t>6</a:t>
             </a:fld>
             <a:endParaRPr lang="fr-FR"/>
           </a:p>
@@ -2473,7 +2472,7 @@
           <a:p>
             <a:fld id="{7ECB9D5A-E5E4-41FE-AF39-634902D6D5D2}" type="datetimeFigureOut">
               <a:rPr lang="fr-FR" smtClean="0"/>
-              <a:t>03/09/2024</a:t>
+              <a:t>04/09/2024</a:t>
             </a:fld>
             <a:endParaRPr lang="fr-FR"/>
           </a:p>
@@ -2671,7 +2670,7 @@
           <a:p>
             <a:fld id="{7ECB9D5A-E5E4-41FE-AF39-634902D6D5D2}" type="datetimeFigureOut">
               <a:rPr lang="fr-FR" smtClean="0"/>
-              <a:t>03/09/2024</a:t>
+              <a:t>04/09/2024</a:t>
             </a:fld>
             <a:endParaRPr lang="fr-FR"/>
           </a:p>
@@ -2879,7 +2878,7 @@
           <a:p>
             <a:fld id="{7ECB9D5A-E5E4-41FE-AF39-634902D6D5D2}" type="datetimeFigureOut">
               <a:rPr lang="fr-FR" smtClean="0"/>
-              <a:t>03/09/2024</a:t>
+              <a:t>04/09/2024</a:t>
             </a:fld>
             <a:endParaRPr lang="fr-FR"/>
           </a:p>
@@ -3077,7 +3076,7 @@
           <a:p>
             <a:fld id="{7ECB9D5A-E5E4-41FE-AF39-634902D6D5D2}" type="datetimeFigureOut">
               <a:rPr lang="fr-FR" smtClean="0"/>
-              <a:t>03/09/2024</a:t>
+              <a:t>04/09/2024</a:t>
             </a:fld>
             <a:endParaRPr lang="fr-FR"/>
           </a:p>
@@ -3352,7 +3351,7 @@
           <a:p>
             <a:fld id="{7ECB9D5A-E5E4-41FE-AF39-634902D6D5D2}" type="datetimeFigureOut">
               <a:rPr lang="fr-FR" smtClean="0"/>
-              <a:t>03/09/2024</a:t>
+              <a:t>04/09/2024</a:t>
             </a:fld>
             <a:endParaRPr lang="fr-FR"/>
           </a:p>
@@ -3617,7 +3616,7 @@
           <a:p>
             <a:fld id="{7ECB9D5A-E5E4-41FE-AF39-634902D6D5D2}" type="datetimeFigureOut">
               <a:rPr lang="fr-FR" smtClean="0"/>
-              <a:t>03/09/2024</a:t>
+              <a:t>04/09/2024</a:t>
             </a:fld>
             <a:endParaRPr lang="fr-FR"/>
           </a:p>
@@ -4029,7 +4028,7 @@
           <a:p>
             <a:fld id="{7ECB9D5A-E5E4-41FE-AF39-634902D6D5D2}" type="datetimeFigureOut">
               <a:rPr lang="fr-FR" smtClean="0"/>
-              <a:t>03/09/2024</a:t>
+              <a:t>04/09/2024</a:t>
             </a:fld>
             <a:endParaRPr lang="fr-FR"/>
           </a:p>
@@ -4170,7 +4169,7 @@
           <a:p>
             <a:fld id="{7ECB9D5A-E5E4-41FE-AF39-634902D6D5D2}" type="datetimeFigureOut">
               <a:rPr lang="fr-FR" smtClean="0"/>
-              <a:t>03/09/2024</a:t>
+              <a:t>04/09/2024</a:t>
             </a:fld>
             <a:endParaRPr lang="fr-FR"/>
           </a:p>
@@ -4283,7 +4282,7 @@
           <a:p>
             <a:fld id="{7ECB9D5A-E5E4-41FE-AF39-634902D6D5D2}" type="datetimeFigureOut">
               <a:rPr lang="fr-FR" smtClean="0"/>
-              <a:t>03/09/2024</a:t>
+              <a:t>04/09/2024</a:t>
             </a:fld>
             <a:endParaRPr lang="fr-FR"/>
           </a:p>
@@ -4594,7 +4593,7 @@
           <a:p>
             <a:fld id="{7ECB9D5A-E5E4-41FE-AF39-634902D6D5D2}" type="datetimeFigureOut">
               <a:rPr lang="fr-FR" smtClean="0"/>
-              <a:t>03/09/2024</a:t>
+              <a:t>04/09/2024</a:t>
             </a:fld>
             <a:endParaRPr lang="fr-FR"/>
           </a:p>
@@ -4885,7 +4884,7 @@
           <a:p>
             <a:fld id="{7ECB9D5A-E5E4-41FE-AF39-634902D6D5D2}" type="datetimeFigureOut">
               <a:rPr lang="fr-FR" smtClean="0"/>
-              <a:t>03/09/2024</a:t>
+              <a:t>04/09/2024</a:t>
             </a:fld>
             <a:endParaRPr lang="fr-FR"/>
           </a:p>
@@ -5126,7 +5125,7 @@
           <a:p>
             <a:fld id="{7ECB9D5A-E5E4-41FE-AF39-634902D6D5D2}" type="datetimeFigureOut">
               <a:rPr lang="fr-FR" smtClean="0"/>
-              <a:t>03/09/2024</a:t>
+              <a:t>04/09/2024</a:t>
             </a:fld>
             <a:endParaRPr lang="fr-FR"/>
           </a:p>
@@ -5903,7 +5902,7 @@
             </a:pPr>
             <a:r>
               <a:rPr lang="en-US" dirty="0"/>
-              <a:t>You're free to follow these guidelines, or to choose a different angle of analysis, as long as your analysis reveals relevant and useful information. 🤓</a:t>
+              <a:t>You're free to follow these guidelines, or to choose a different angle of analysis, as long as your analysis reveals relevant and useful information.</a:t>
             </a:r>
           </a:p>
         </p:txBody>
@@ -6120,116 +6119,6 @@
 </file>
 
 <file path=ppt/slides/slide4.xml><?xml version="1.0" encoding="utf-8"?>
-<p:sld xmlns:a="http://schemas.openxmlformats.org/drawingml/2006/main" xmlns:r="http://schemas.openxmlformats.org/officeDocument/2006/relationships" xmlns:p="http://schemas.openxmlformats.org/presentationml/2006/main" show="0">
-  <p:cSld>
-    <p:spTree>
-      <p:nvGrpSpPr>
-        <p:cNvPr id="1" name=""/>
-        <p:cNvGrpSpPr/>
-        <p:nvPr/>
-      </p:nvGrpSpPr>
-      <p:grpSpPr>
-        <a:xfrm>
-          <a:off x="0" y="0"/>
-          <a:ext cx="0" cy="0"/>
-          <a:chOff x="0" y="0"/>
-          <a:chExt cx="0" cy="0"/>
-        </a:xfrm>
-      </p:grpSpPr>
-      <p:sp>
-        <p:nvSpPr>
-          <p:cNvPr id="2" name="Titre 1">
-            <a:extLst>
-              <a:ext uri="{FF2B5EF4-FFF2-40B4-BE49-F238E27FC236}">
-                <a16:creationId xmlns:a16="http://schemas.microsoft.com/office/drawing/2014/main" id="{EB6098DA-32DB-ABC0-4DF9-6A9E9785D4CD}"/>
-              </a:ext>
-            </a:extLst>
-          </p:cNvPr>
-          <p:cNvSpPr>
-            <a:spLocks noGrp="1"/>
-          </p:cNvSpPr>
-          <p:nvPr>
-            <p:ph type="title"/>
-          </p:nvPr>
-        </p:nvSpPr>
-        <p:spPr/>
-        <p:txBody>
-          <a:bodyPr/>
-          <a:lstStyle/>
-          <a:p>
-            <a:endParaRPr lang="fr-FR"/>
-          </a:p>
-        </p:txBody>
-      </p:sp>
-      <p:sp>
-        <p:nvSpPr>
-          <p:cNvPr id="3" name="Espace réservé du contenu 2">
-            <a:extLst>
-              <a:ext uri="{FF2B5EF4-FFF2-40B4-BE49-F238E27FC236}">
-                <a16:creationId xmlns:a16="http://schemas.microsoft.com/office/drawing/2014/main" id="{755391E4-9E7C-61D2-947A-0F2B2AE6197D}"/>
-              </a:ext>
-            </a:extLst>
-          </p:cNvPr>
-          <p:cNvSpPr>
-            <a:spLocks noGrp="1"/>
-          </p:cNvSpPr>
-          <p:nvPr>
-            <p:ph idx="1"/>
-          </p:nvPr>
-        </p:nvSpPr>
-        <p:spPr/>
-        <p:txBody>
-          <a:bodyPr/>
-          <a:lstStyle/>
-          <a:p>
-            <a:endParaRPr lang="fr-FR"/>
-          </a:p>
-        </p:txBody>
-      </p:sp>
-      <p:pic>
-        <p:nvPicPr>
-          <p:cNvPr id="5" name="Image 4">
-            <a:extLst>
-              <a:ext uri="{FF2B5EF4-FFF2-40B4-BE49-F238E27FC236}">
-                <a16:creationId xmlns:a16="http://schemas.microsoft.com/office/drawing/2014/main" id="{8B75FBC1-EA90-D2FE-23A0-F3731B5A3809}"/>
-              </a:ext>
-            </a:extLst>
-          </p:cNvPr>
-          <p:cNvPicPr>
-            <a:picLocks noChangeAspect="1"/>
-          </p:cNvPicPr>
-          <p:nvPr/>
-        </p:nvPicPr>
-        <p:blipFill>
-          <a:blip r:embed="rId2"/>
-          <a:stretch>
-            <a:fillRect/>
-          </a:stretch>
-        </p:blipFill>
-        <p:spPr>
-          <a:xfrm>
-            <a:off x="1342361" y="1195075"/>
-            <a:ext cx="9507277" cy="4467849"/>
-          </a:xfrm>
-          <a:prstGeom prst="rect">
-            <a:avLst/>
-          </a:prstGeom>
-        </p:spPr>
-      </p:pic>
-    </p:spTree>
-    <p:extLst>
-      <p:ext uri="{BB962C8B-B14F-4D97-AF65-F5344CB8AC3E}">
-        <p14:creationId xmlns:p14="http://schemas.microsoft.com/office/powerpoint/2010/main" val="3990801946"/>
-      </p:ext>
-    </p:extLst>
-  </p:cSld>
-  <p:clrMapOvr>
-    <a:masterClrMapping/>
-  </p:clrMapOvr>
-</p:sld>
-</file>
-
-<file path=ppt/slides/slide5.xml><?xml version="1.0" encoding="utf-8"?>
 <p:sld xmlns:a="http://schemas.openxmlformats.org/drawingml/2006/main" xmlns:r="http://schemas.openxmlformats.org/officeDocument/2006/relationships" xmlns:p="http://schemas.openxmlformats.org/presentationml/2006/main">
   <p:cSld>
     <p:spTree>
@@ -6549,7 +6438,7 @@
 </p:sld>
 </file>
 
-<file path=ppt/slides/slide6.xml><?xml version="1.0" encoding="utf-8"?>
+<file path=ppt/slides/slide5.xml><?xml version="1.0" encoding="utf-8"?>
 <p:sld xmlns:a="http://schemas.openxmlformats.org/drawingml/2006/main" xmlns:r="http://schemas.openxmlformats.org/officeDocument/2006/relationships" xmlns:p="http://schemas.openxmlformats.org/presentationml/2006/main">
   <p:cSld>
     <p:spTree>
@@ -6872,7 +6761,7 @@
 </p:sld>
 </file>
 
-<file path=ppt/slides/slide7.xml><?xml version="1.0" encoding="utf-8"?>
+<file path=ppt/slides/slide6.xml><?xml version="1.0" encoding="utf-8"?>
 <p:sld xmlns:a="http://schemas.openxmlformats.org/drawingml/2006/main" xmlns:r="http://schemas.openxmlformats.org/officeDocument/2006/relationships" xmlns:p="http://schemas.openxmlformats.org/presentationml/2006/main">
   <p:cSld>
     <p:spTree>
@@ -7159,7 +7048,7 @@
 </p:sld>
 </file>
 
-<file path=ppt/slides/slide8.xml><?xml version="1.0" encoding="utf-8"?>
+<file path=ppt/slides/slide7.xml><?xml version="1.0" encoding="utf-8"?>
 <p:sld xmlns:a="http://schemas.openxmlformats.org/drawingml/2006/main" xmlns:r="http://schemas.openxmlformats.org/officeDocument/2006/relationships" xmlns:p="http://schemas.openxmlformats.org/presentationml/2006/main">
   <p:cSld>
     <p:spTree>
